--- a/slides/Methods.pptx
+++ b/slides/Methods.pptx
@@ -9179,13 +9179,22 @@
               </a:buClr>
             </a:pPr>
             <a:r>
+              <a:rPr kumimoji="1" lang="en-US" sz="2000" b="1" dirty="0" smtClean="0">
+                <a:solidFill>
+                  <a:srgbClr val="7030A0"/>
+                </a:solidFill>
+                <a:latin typeface="Courier New" charset="0"/>
+              </a:rPr>
+              <a:t>public </a:t>
+            </a:r>
+            <a:r>
               <a:rPr kumimoji="1" lang="en-US" sz="2000" b="1" dirty="0">
                 <a:solidFill>
                   <a:srgbClr val="7030A0"/>
                 </a:solidFill>
                 <a:latin typeface="Courier New" charset="0"/>
               </a:rPr>
-              <a:t>private void </a:t>
+              <a:t>void </a:t>
             </a:r>
             <a:r>
               <a:rPr kumimoji="1" lang="en-US" sz="2000" dirty="0">
@@ -9731,7 +9740,16 @@
                 </a:solidFill>
                 <a:latin typeface="Courier New" charset="0"/>
               </a:rPr>
-              <a:t>private void </a:t>
+              <a:t>public </a:t>
+            </a:r>
+            <a:r>
+              <a:rPr kumimoji="1" lang="en-US" sz="2000" b="1" dirty="0" smtClean="0">
+                <a:solidFill>
+                  <a:srgbClr val="7030A0"/>
+                </a:solidFill>
+                <a:latin typeface="Courier New" charset="0"/>
+              </a:rPr>
+              <a:t>void </a:t>
             </a:r>
             <a:r>
               <a:rPr kumimoji="1" lang="en-US" sz="2000" dirty="0" smtClean="0">
@@ -10268,7 +10286,16 @@
                 </a:solidFill>
                 <a:latin typeface="Courier New" charset="0"/>
               </a:rPr>
-              <a:t>private void </a:t>
+              <a:t>public </a:t>
+            </a:r>
+            <a:r>
+              <a:rPr kumimoji="1" lang="en-US" sz="2000" b="1" dirty="0" smtClean="0">
+                <a:solidFill>
+                  <a:srgbClr val="7030A0"/>
+                </a:solidFill>
+                <a:latin typeface="Courier New" charset="0"/>
+              </a:rPr>
+              <a:t>void </a:t>
             </a:r>
             <a:r>
               <a:rPr kumimoji="1" lang="en-US" sz="2000" dirty="0" smtClean="0">
@@ -10799,13 +10826,22 @@
               </a:buClr>
             </a:pPr>
             <a:r>
+              <a:rPr kumimoji="1" lang="en-US" sz="2000" b="1" dirty="0" smtClean="0">
+                <a:solidFill>
+                  <a:srgbClr val="7030A0"/>
+                </a:solidFill>
+                <a:latin typeface="Courier New" charset="0"/>
+              </a:rPr>
+              <a:t>public </a:t>
+            </a:r>
+            <a:r>
               <a:rPr kumimoji="1" lang="en-US" sz="2000" b="1" dirty="0">
                 <a:solidFill>
                   <a:srgbClr val="7030A0"/>
                 </a:solidFill>
                 <a:latin typeface="Courier New" charset="0"/>
               </a:rPr>
-              <a:t>private void </a:t>
+              <a:t>void </a:t>
             </a:r>
             <a:r>
               <a:rPr kumimoji="1" lang="en-US" sz="2000" dirty="0">
@@ -13502,13 +13538,22 @@
               </a:buClr>
             </a:pPr>
             <a:r>
+              <a:rPr kumimoji="1" lang="en-US" sz="2000" b="1" dirty="0" smtClean="0">
+                <a:solidFill>
+                  <a:srgbClr val="7030A0"/>
+                </a:solidFill>
+                <a:latin typeface="Courier New" charset="0"/>
+              </a:rPr>
+              <a:t>public </a:t>
+            </a:r>
+            <a:r>
               <a:rPr kumimoji="1" lang="en-US" sz="2000" b="1" dirty="0">
                 <a:solidFill>
                   <a:srgbClr val="7030A0"/>
                 </a:solidFill>
                 <a:latin typeface="Courier New" charset="0"/>
               </a:rPr>
-              <a:t>private void </a:t>
+              <a:t>void </a:t>
             </a:r>
             <a:r>
               <a:rPr kumimoji="1" lang="en-US" sz="2000" dirty="0">
@@ -14631,13 +14676,22 @@
               </a:buClr>
             </a:pPr>
             <a:r>
+              <a:rPr kumimoji="1" lang="en-US" sz="2000" b="1" dirty="0" smtClean="0">
+                <a:solidFill>
+                  <a:srgbClr val="7030A0"/>
+                </a:solidFill>
+                <a:latin typeface="Courier New" charset="0"/>
+              </a:rPr>
+              <a:t>public </a:t>
+            </a:r>
+            <a:r>
               <a:rPr kumimoji="1" lang="en-US" sz="2000" b="1" dirty="0">
                 <a:solidFill>
                   <a:srgbClr val="7030A0"/>
                 </a:solidFill>
                 <a:latin typeface="Courier New" charset="0"/>
               </a:rPr>
-              <a:t>private void </a:t>
+              <a:t>void </a:t>
             </a:r>
             <a:r>
               <a:rPr kumimoji="1" lang="en-US" sz="2000" dirty="0">
@@ -15989,13 +16043,22 @@
               </a:buClr>
             </a:pPr>
             <a:r>
+              <a:rPr kumimoji="1" lang="en-US" sz="2000" b="1" dirty="0" smtClean="0">
+                <a:solidFill>
+                  <a:srgbClr val="7030A0"/>
+                </a:solidFill>
+                <a:latin typeface="Courier New" charset="0"/>
+              </a:rPr>
+              <a:t>public </a:t>
+            </a:r>
+            <a:r>
               <a:rPr kumimoji="1" lang="en-US" sz="2000" b="1" dirty="0">
                 <a:solidFill>
                   <a:srgbClr val="7030A0"/>
                 </a:solidFill>
                 <a:latin typeface="Courier New" charset="0"/>
               </a:rPr>
-              <a:t>private void </a:t>
+              <a:t>void </a:t>
             </a:r>
             <a:r>
               <a:rPr kumimoji="1" lang="en-US" sz="2000" dirty="0">
@@ -17329,13 +17392,22 @@
               </a:buClr>
             </a:pPr>
             <a:r>
+              <a:rPr kumimoji="1" lang="en-US" sz="2000" b="1" dirty="0" smtClean="0">
+                <a:solidFill>
+                  <a:srgbClr val="7030A0"/>
+                </a:solidFill>
+                <a:latin typeface="Courier New" charset="0"/>
+              </a:rPr>
+              <a:t>public </a:t>
+            </a:r>
+            <a:r>
               <a:rPr kumimoji="1" lang="en-US" sz="2000" b="1" dirty="0">
                 <a:solidFill>
                   <a:srgbClr val="7030A0"/>
                 </a:solidFill>
                 <a:latin typeface="Courier New" charset="0"/>
               </a:rPr>
-              <a:t>private void </a:t>
+              <a:t>void </a:t>
             </a:r>
             <a:r>
               <a:rPr kumimoji="1" lang="en-US" sz="2000" dirty="0">
@@ -18687,13 +18759,22 @@
               </a:buClr>
             </a:pPr>
             <a:r>
+              <a:rPr kumimoji="1" lang="en-US" sz="2000" b="1" dirty="0" smtClean="0">
+                <a:solidFill>
+                  <a:srgbClr val="7030A0"/>
+                </a:solidFill>
+                <a:latin typeface="Courier New" charset="0"/>
+              </a:rPr>
+              <a:t>public </a:t>
+            </a:r>
+            <a:r>
               <a:rPr kumimoji="1" lang="en-US" sz="2000" b="1" dirty="0">
                 <a:solidFill>
                   <a:srgbClr val="7030A0"/>
                 </a:solidFill>
                 <a:latin typeface="Courier New" charset="0"/>
               </a:rPr>
-              <a:t>private void </a:t>
+              <a:t>void </a:t>
             </a:r>
             <a:r>
               <a:rPr kumimoji="1" lang="en-US" sz="2000" dirty="0">
@@ -20036,13 +20117,22 @@
               </a:buClr>
             </a:pPr>
             <a:r>
+              <a:rPr kumimoji="1" lang="en-US" sz="2000" b="1" dirty="0" smtClean="0">
+                <a:solidFill>
+                  <a:srgbClr val="7030A0"/>
+                </a:solidFill>
+                <a:latin typeface="Courier New" charset="0"/>
+              </a:rPr>
+              <a:t>public </a:t>
+            </a:r>
+            <a:r>
               <a:rPr kumimoji="1" lang="en-US" sz="2000" b="1" dirty="0">
                 <a:solidFill>
                   <a:srgbClr val="7030A0"/>
                 </a:solidFill>
                 <a:latin typeface="Courier New" charset="0"/>
               </a:rPr>
-              <a:t>private void </a:t>
+              <a:t>void </a:t>
             </a:r>
             <a:r>
               <a:rPr kumimoji="1" lang="en-US" sz="2000" dirty="0">
@@ -21385,13 +21475,22 @@
               </a:buClr>
             </a:pPr>
             <a:r>
+              <a:rPr kumimoji="1" lang="en-US" sz="2000" b="1" dirty="0" smtClean="0">
+                <a:solidFill>
+                  <a:srgbClr val="7030A0"/>
+                </a:solidFill>
+                <a:latin typeface="Courier New" charset="0"/>
+              </a:rPr>
+              <a:t>public </a:t>
+            </a:r>
+            <a:r>
               <a:rPr kumimoji="1" lang="en-US" sz="2000" b="1" dirty="0">
                 <a:solidFill>
                   <a:srgbClr val="7030A0"/>
                 </a:solidFill>
                 <a:latin typeface="Courier New" charset="0"/>
               </a:rPr>
-              <a:t>private void </a:t>
+              <a:t>void </a:t>
             </a:r>
             <a:r>
               <a:rPr kumimoji="1" lang="en-US" sz="2000" dirty="0">
@@ -22734,13 +22833,22 @@
               </a:buClr>
             </a:pPr>
             <a:r>
+              <a:rPr kumimoji="1" lang="en-US" sz="2000" b="1" dirty="0" smtClean="0">
+                <a:solidFill>
+                  <a:srgbClr val="7030A0"/>
+                </a:solidFill>
+                <a:latin typeface="Courier New" charset="0"/>
+              </a:rPr>
+              <a:t>public </a:t>
+            </a:r>
+            <a:r>
               <a:rPr kumimoji="1" lang="en-US" sz="2000" b="1" dirty="0">
                 <a:solidFill>
                   <a:srgbClr val="7030A0"/>
                 </a:solidFill>
                 <a:latin typeface="Courier New" charset="0"/>
               </a:rPr>
-              <a:t>private void </a:t>
+              <a:t>void </a:t>
             </a:r>
             <a:r>
               <a:rPr kumimoji="1" lang="en-US" sz="2000" dirty="0">
@@ -24074,13 +24182,22 @@
               </a:buClr>
             </a:pPr>
             <a:r>
+              <a:rPr kumimoji="1" lang="en-US" sz="2000" b="1" dirty="0" smtClean="0">
+                <a:solidFill>
+                  <a:srgbClr val="7030A0"/>
+                </a:solidFill>
+                <a:latin typeface="Courier New" charset="0"/>
+              </a:rPr>
+              <a:t>public </a:t>
+            </a:r>
+            <a:r>
               <a:rPr kumimoji="1" lang="en-US" sz="2000" b="1" dirty="0">
                 <a:solidFill>
                   <a:srgbClr val="7030A0"/>
                 </a:solidFill>
                 <a:latin typeface="Courier New" charset="0"/>
               </a:rPr>
-              <a:t>private void </a:t>
+              <a:t>void </a:t>
             </a:r>
             <a:r>
               <a:rPr kumimoji="1" lang="en-US" sz="2000" dirty="0">
@@ -25420,7 +25537,16 @@
                 </a:solidFill>
                 <a:latin typeface="Courier New" charset="0"/>
               </a:rPr>
-              <a:t>private void </a:t>
+              <a:t>public </a:t>
+            </a:r>
+            <a:r>
+              <a:rPr kumimoji="1" lang="en-US" sz="2000" b="1" dirty="0" smtClean="0">
+                <a:solidFill>
+                  <a:srgbClr val="7030A0"/>
+                </a:solidFill>
+                <a:latin typeface="Courier New" charset="0"/>
+              </a:rPr>
+              <a:t>void </a:t>
             </a:r>
             <a:r>
               <a:rPr kumimoji="1" lang="en-US" sz="2000" dirty="0" smtClean="0">
@@ -26535,7 +26661,16 @@
                 </a:solidFill>
                 <a:latin typeface="Courier New" charset="0"/>
               </a:rPr>
-              <a:t>private void </a:t>
+              <a:t>public </a:t>
+            </a:r>
+            <a:r>
+              <a:rPr kumimoji="1" lang="en-US" sz="2000" b="1" dirty="0" smtClean="0">
+                <a:solidFill>
+                  <a:srgbClr val="7030A0"/>
+                </a:solidFill>
+                <a:latin typeface="Courier New" charset="0"/>
+              </a:rPr>
+              <a:t>void </a:t>
             </a:r>
             <a:r>
               <a:rPr kumimoji="1" lang="en-US" sz="2000" dirty="0" smtClean="0">
@@ -27319,7 +27454,16 @@
                 </a:solidFill>
                 <a:latin typeface="Courier New" charset="0"/>
               </a:rPr>
-              <a:t>private void </a:t>
+              <a:t>public </a:t>
+            </a:r>
+            <a:r>
+              <a:rPr kumimoji="1" lang="en-US" sz="2000" b="1" dirty="0" smtClean="0">
+                <a:solidFill>
+                  <a:srgbClr val="7030A0"/>
+                </a:solidFill>
+                <a:latin typeface="Courier New" charset="0"/>
+              </a:rPr>
+              <a:t>void </a:t>
             </a:r>
             <a:r>
               <a:rPr kumimoji="1" lang="en-US" sz="2000" dirty="0" smtClean="0">
@@ -28076,7 +28220,16 @@
                 </a:solidFill>
                 <a:latin typeface="Courier New" charset="0"/>
               </a:rPr>
-              <a:t>private void </a:t>
+              <a:t>public </a:t>
+            </a:r>
+            <a:r>
+              <a:rPr kumimoji="1" lang="en-US" sz="2000" b="1" dirty="0" smtClean="0">
+                <a:solidFill>
+                  <a:srgbClr val="7030A0"/>
+                </a:solidFill>
+                <a:latin typeface="Courier New" charset="0"/>
+              </a:rPr>
+              <a:t>void </a:t>
             </a:r>
             <a:r>
               <a:rPr kumimoji="1" lang="en-US" sz="2000" dirty="0" smtClean="0">
@@ -28809,13 +28962,22 @@
               </a:buClr>
             </a:pPr>
             <a:r>
+              <a:rPr kumimoji="1" lang="en-US" sz="2000" b="1" dirty="0" smtClean="0">
+                <a:solidFill>
+                  <a:srgbClr val="7030A0"/>
+                </a:solidFill>
+                <a:latin typeface="Courier New" charset="0"/>
+              </a:rPr>
+              <a:t>public </a:t>
+            </a:r>
+            <a:r>
               <a:rPr kumimoji="1" lang="en-US" sz="2000" b="1" dirty="0">
                 <a:solidFill>
                   <a:srgbClr val="7030A0"/>
                 </a:solidFill>
                 <a:latin typeface="Courier New" charset="0"/>
               </a:rPr>
-              <a:t>private void </a:t>
+              <a:t>void </a:t>
             </a:r>
             <a:r>
               <a:rPr kumimoji="1" lang="en-US" sz="2000" dirty="0">
@@ -29701,13 +29863,22 @@
               </a:buClr>
             </a:pPr>
             <a:r>
+              <a:rPr kumimoji="1" lang="en-US" sz="2000" b="1" dirty="0" smtClean="0">
+                <a:solidFill>
+                  <a:srgbClr val="7030A0"/>
+                </a:solidFill>
+                <a:latin typeface="Courier New" charset="0"/>
+              </a:rPr>
+              <a:t>public </a:t>
+            </a:r>
+            <a:r>
               <a:rPr kumimoji="1" lang="en-US" sz="2000" b="1" dirty="0">
                 <a:solidFill>
                   <a:srgbClr val="7030A0"/>
                 </a:solidFill>
                 <a:latin typeface="Courier New" charset="0"/>
               </a:rPr>
-              <a:t>private void </a:t>
+              <a:t>void </a:t>
             </a:r>
             <a:r>
               <a:rPr kumimoji="1" lang="en-US" sz="2000" dirty="0">
@@ -30856,13 +31027,22 @@
               </a:buClr>
             </a:pPr>
             <a:r>
+              <a:rPr kumimoji="1" lang="en-US" sz="2000" b="1" dirty="0" smtClean="0">
+                <a:solidFill>
+                  <a:srgbClr val="7030A0"/>
+                </a:solidFill>
+                <a:latin typeface="Courier New" charset="0"/>
+              </a:rPr>
+              <a:t>public </a:t>
+            </a:r>
+            <a:r>
               <a:rPr kumimoji="1" lang="en-US" sz="2000" b="1" dirty="0">
                 <a:solidFill>
                   <a:srgbClr val="7030A0"/>
                 </a:solidFill>
                 <a:latin typeface="Courier New" charset="0"/>
               </a:rPr>
-              <a:t>private void </a:t>
+              <a:t>void </a:t>
             </a:r>
             <a:r>
               <a:rPr kumimoji="1" lang="en-US" sz="2000" dirty="0">
@@ -32011,13 +32191,22 @@
               </a:buClr>
             </a:pPr>
             <a:r>
+              <a:rPr kumimoji="1" lang="en-US" sz="2000" b="1" dirty="0" smtClean="0">
+                <a:solidFill>
+                  <a:srgbClr val="7030A0"/>
+                </a:solidFill>
+                <a:latin typeface="Courier New" charset="0"/>
+              </a:rPr>
+              <a:t>public </a:t>
+            </a:r>
+            <a:r>
               <a:rPr kumimoji="1" lang="en-US" sz="2000" b="1" dirty="0">
                 <a:solidFill>
                   <a:srgbClr val="7030A0"/>
                 </a:solidFill>
                 <a:latin typeface="Courier New" charset="0"/>
               </a:rPr>
-              <a:t>private void </a:t>
+              <a:t>void </a:t>
             </a:r>
             <a:r>
               <a:rPr kumimoji="1" lang="en-US" sz="2000" dirty="0">
@@ -33229,7 +33418,16 @@
                 </a:solidFill>
                 <a:latin typeface="Courier New" charset="0"/>
               </a:rPr>
-              <a:t>private void </a:t>
+              <a:t>public </a:t>
+            </a:r>
+            <a:r>
+              <a:rPr kumimoji="1" lang="en-US" sz="2000" b="1" dirty="0" smtClean="0">
+                <a:solidFill>
+                  <a:srgbClr val="7030A0"/>
+                </a:solidFill>
+                <a:latin typeface="Courier New" charset="0"/>
+              </a:rPr>
+              <a:t>void </a:t>
             </a:r>
             <a:r>
               <a:rPr kumimoji="1" lang="en-US" sz="2000" dirty="0" smtClean="0">
@@ -34025,7 +34223,16 @@
                 </a:solidFill>
                 <a:latin typeface="Courier New" charset="0"/>
               </a:rPr>
-              <a:t>private void </a:t>
+              <a:t>public </a:t>
+            </a:r>
+            <a:r>
+              <a:rPr kumimoji="1" lang="en-US" sz="2000" b="1" dirty="0" smtClean="0">
+                <a:solidFill>
+                  <a:srgbClr val="7030A0"/>
+                </a:solidFill>
+                <a:latin typeface="Courier New" charset="0"/>
+              </a:rPr>
+              <a:t>void </a:t>
             </a:r>
             <a:r>
               <a:rPr kumimoji="1" lang="en-US" sz="2000" dirty="0" smtClean="0">
@@ -34839,7 +35046,16 @@
                 </a:solidFill>
                 <a:latin typeface="Courier New" charset="0"/>
               </a:rPr>
-              <a:t>private void </a:t>
+              <a:t>public </a:t>
+            </a:r>
+            <a:r>
+              <a:rPr kumimoji="1" lang="en-US" sz="2000" b="1" dirty="0" smtClean="0">
+                <a:solidFill>
+                  <a:srgbClr val="7030A0"/>
+                </a:solidFill>
+                <a:latin typeface="Courier New" charset="0"/>
+              </a:rPr>
+              <a:t>void </a:t>
             </a:r>
             <a:r>
               <a:rPr kumimoji="1" lang="en-US" sz="2000" dirty="0" smtClean="0">
@@ -36517,7 +36733,16 @@
                 </a:solidFill>
                 <a:latin typeface="Courier New" charset="0"/>
               </a:rPr>
-              <a:t>private void </a:t>
+              <a:t>public </a:t>
+            </a:r>
+            <a:r>
+              <a:rPr kumimoji="1" lang="en-US" sz="2000" b="1" dirty="0" smtClean="0">
+                <a:solidFill>
+                  <a:srgbClr val="7030A0"/>
+                </a:solidFill>
+                <a:latin typeface="Courier New" charset="0"/>
+              </a:rPr>
+              <a:t>void </a:t>
             </a:r>
             <a:r>
               <a:rPr kumimoji="1" lang="en-US" sz="2000" dirty="0" smtClean="0">
@@ -37467,7 +37692,16 @@
                 </a:solidFill>
                 <a:latin typeface="Courier New" charset="0"/>
               </a:rPr>
-              <a:t>private void </a:t>
+              <a:t>public </a:t>
+            </a:r>
+            <a:r>
+              <a:rPr kumimoji="1" lang="en-US" sz="2000" b="1" dirty="0" smtClean="0">
+                <a:solidFill>
+                  <a:srgbClr val="7030A0"/>
+                </a:solidFill>
+                <a:latin typeface="Courier New" charset="0"/>
+              </a:rPr>
+              <a:t>void </a:t>
             </a:r>
             <a:r>
               <a:rPr kumimoji="1" lang="en-US" sz="2000" dirty="0" smtClean="0">
@@ -42305,9 +42539,18 @@
                 <a:schemeClr val="bg2"/>
               </a:buClr>
             </a:pPr>
+            <a:r>
+              <a:rPr kumimoji="1" lang="en-US" b="1" dirty="0" smtClean="0">
+                <a:solidFill>
+                  <a:schemeClr val="accent3"/>
+                </a:solidFill>
+                <a:latin typeface="Courier New" charset="0"/>
+              </a:rPr>
+              <a:t>//This is false</a:t>
+            </a:r>
             <a:endParaRPr kumimoji="1" lang="en-US" b="1" dirty="0">
               <a:solidFill>
-                <a:schemeClr val="bg2"/>
+                <a:schemeClr val="accent3"/>
               </a:solidFill>
               <a:latin typeface="Courier New" charset="0"/>
             </a:endParaRPr>
@@ -42370,7 +42613,7 @@
                 <a:schemeClr val="bg2"/>
               </a:buClr>
             </a:pPr>
-            <a:endParaRPr kumimoji="1" lang="en-US" b="1" dirty="0">
+            <a:endParaRPr kumimoji="1" lang="en-US" b="1" dirty="0" smtClean="0">
               <a:solidFill>
                 <a:schemeClr val="bg2"/>
               </a:solidFill>
@@ -42384,63 +42627,110 @@
               </a:buClr>
             </a:pPr>
             <a:r>
-              <a:rPr kumimoji="1" lang="en-US" b="1" dirty="0" err="1" smtClean="0">
-                <a:solidFill>
-                  <a:srgbClr val="7030A0"/>
-                </a:solidFill>
-                <a:latin typeface="Courier New" charset="0"/>
-              </a:rPr>
-              <a:t>boolean</a:t>
+              <a:rPr kumimoji="1" lang="en-US" b="1" dirty="0">
+                <a:solidFill>
+                  <a:schemeClr val="accent3"/>
+                </a:solidFill>
+                <a:latin typeface="Courier New" charset="0"/>
+              </a:rPr>
+              <a:t>//This is </a:t>
             </a:r>
             <a:r>
               <a:rPr kumimoji="1" lang="en-US" b="1" dirty="0" smtClean="0">
                 <a:solidFill>
-                  <a:srgbClr val="B70051"/>
-                </a:solidFill>
-                <a:latin typeface="Courier New" charset="0"/>
-              </a:rPr>
-              <a:t> </a:t>
-            </a:r>
-            <a:r>
-              <a:rPr kumimoji="1" lang="en-US" b="1" dirty="0" err="1" smtClean="0">
-                <a:solidFill>
-                  <a:srgbClr val="000000"/>
-                </a:solidFill>
-                <a:latin typeface="Courier New" charset="0"/>
-              </a:rPr>
-              <a:t>a_or_b</a:t>
-            </a:r>
-            <a:r>
-              <a:rPr kumimoji="1" lang="en-US" b="1" dirty="0" smtClean="0">
-                <a:solidFill>
-                  <a:srgbClr val="000000"/>
-                </a:solidFill>
-                <a:latin typeface="Courier New" charset="0"/>
-              </a:rPr>
-              <a:t> </a:t>
-            </a:r>
-            <a:r>
-              <a:rPr kumimoji="1" lang="en-US" b="1" dirty="0">
-                <a:solidFill>
-                  <a:srgbClr val="000000"/>
-                </a:solidFill>
-                <a:latin typeface="Courier New" charset="0"/>
-              </a:rPr>
-              <a:t>= a || b;</a:t>
-            </a:r>
-          </a:p>
-          <a:p>
-            <a:pPr>
-              <a:buClr>
-                <a:schemeClr val="bg2"/>
-              </a:buClr>
-            </a:pPr>
+                  <a:schemeClr val="accent3"/>
+                </a:solidFill>
+                <a:latin typeface="Courier New" charset="0"/>
+              </a:rPr>
+              <a:t>true</a:t>
+            </a:r>
             <a:endParaRPr kumimoji="1" lang="en-US" b="1" dirty="0">
               <a:solidFill>
-                <a:schemeClr val="bg2"/>
+                <a:schemeClr val="accent3"/>
               </a:solidFill>
               <a:latin typeface="Courier New" charset="0"/>
             </a:endParaRPr>
+          </a:p>
+          <a:p>
+            <a:pPr>
+              <a:buClr>
+                <a:schemeClr val="bg2"/>
+              </a:buClr>
+            </a:pPr>
+            <a:r>
+              <a:rPr kumimoji="1" lang="en-US" b="1" dirty="0" err="1" smtClean="0">
+                <a:solidFill>
+                  <a:srgbClr val="7030A0"/>
+                </a:solidFill>
+                <a:latin typeface="Courier New" charset="0"/>
+              </a:rPr>
+              <a:t>boolean</a:t>
+            </a:r>
+            <a:r>
+              <a:rPr kumimoji="1" lang="en-US" b="1" dirty="0" smtClean="0">
+                <a:solidFill>
+                  <a:srgbClr val="B70051"/>
+                </a:solidFill>
+                <a:latin typeface="Courier New" charset="0"/>
+              </a:rPr>
+              <a:t> </a:t>
+            </a:r>
+            <a:r>
+              <a:rPr kumimoji="1" lang="en-US" b="1" dirty="0" err="1" smtClean="0">
+                <a:solidFill>
+                  <a:srgbClr val="000000"/>
+                </a:solidFill>
+                <a:latin typeface="Courier New" charset="0"/>
+              </a:rPr>
+              <a:t>a_or_b</a:t>
+            </a:r>
+            <a:r>
+              <a:rPr kumimoji="1" lang="en-US" b="1" dirty="0" smtClean="0">
+                <a:solidFill>
+                  <a:srgbClr val="000000"/>
+                </a:solidFill>
+                <a:latin typeface="Courier New" charset="0"/>
+              </a:rPr>
+              <a:t> </a:t>
+            </a:r>
+            <a:r>
+              <a:rPr kumimoji="1" lang="en-US" b="1" dirty="0">
+                <a:solidFill>
+                  <a:srgbClr val="000000"/>
+                </a:solidFill>
+                <a:latin typeface="Courier New" charset="0"/>
+              </a:rPr>
+              <a:t>= a || b;</a:t>
+            </a:r>
+          </a:p>
+          <a:p>
+            <a:pPr>
+              <a:buClr>
+                <a:schemeClr val="bg2"/>
+              </a:buClr>
+            </a:pPr>
+            <a:endParaRPr kumimoji="1" lang="en-US" b="1" dirty="0" smtClean="0">
+              <a:solidFill>
+                <a:schemeClr val="bg2"/>
+              </a:solidFill>
+              <a:latin typeface="Courier New" charset="0"/>
+            </a:endParaRPr>
+          </a:p>
+          <a:p>
+            <a:pPr>
+              <a:buClr>
+                <a:schemeClr val="bg2"/>
+              </a:buClr>
+            </a:pPr>
+            <a:r>
+              <a:rPr kumimoji="1" lang="en-US" b="1">
+                <a:solidFill>
+                  <a:schemeClr val="accent3"/>
+                </a:solidFill>
+                <a:latin typeface="Courier New" charset="0"/>
+              </a:rPr>
+              <a:t>//This is false</a:t>
+            </a:r>
           </a:p>
           <a:p>
             <a:pPr>
